--- a/Project1-stock-market-technical-indicators_and_Prediction/Milestone4/DSC680_Project1_Milestone3.pptx
+++ b/Project1-stock-market-technical-indicators_and_Prediction/Milestone4/DSC680_Project1_Milestone3.pptx
@@ -105,6 +105,11 @@
       </a:defRPr>
     </a:lvl9pPr>
   </p:defaultTextStyle>
+  <p:extLst>
+    <p:ext uri="{EFAFB233-063F-42B5-8137-9DF3F51BA10A}">
+      <p15:sldGuideLst xmlns:p15="http://schemas.microsoft.com/office/powerpoint/2012/main"/>
+    </p:ext>
+  </p:extLst>
 </p:presentation>
 </file>
 
@@ -255,7 +260,7 @@
           <a:p>
             <a:fld id="{A73DA6FB-BE09-44D8-939A-53432B6C4EFF}" type="datetimeFigureOut">
               <a:rPr lang="en-US" smtClean="0"/>
-              <a:t>3/27/2023</a:t>
+              <a:t>4/1/2023</a:t>
             </a:fld>
             <a:endParaRPr lang="en-US"/>
           </a:p>
@@ -453,7 +458,7 @@
           <a:p>
             <a:fld id="{A73DA6FB-BE09-44D8-939A-53432B6C4EFF}" type="datetimeFigureOut">
               <a:rPr lang="en-US" smtClean="0"/>
-              <a:t>3/27/2023</a:t>
+              <a:t>4/1/2023</a:t>
             </a:fld>
             <a:endParaRPr lang="en-US"/>
           </a:p>
@@ -661,7 +666,7 @@
           <a:p>
             <a:fld id="{A73DA6FB-BE09-44D8-939A-53432B6C4EFF}" type="datetimeFigureOut">
               <a:rPr lang="en-US" smtClean="0"/>
-              <a:t>3/27/2023</a:t>
+              <a:t>4/1/2023</a:t>
             </a:fld>
             <a:endParaRPr lang="en-US"/>
           </a:p>
@@ -859,7 +864,7 @@
           <a:p>
             <a:fld id="{A73DA6FB-BE09-44D8-939A-53432B6C4EFF}" type="datetimeFigureOut">
               <a:rPr lang="en-US" smtClean="0"/>
-              <a:t>3/27/2023</a:t>
+              <a:t>4/1/2023</a:t>
             </a:fld>
             <a:endParaRPr lang="en-US"/>
           </a:p>
@@ -1134,7 +1139,7 @@
           <a:p>
             <a:fld id="{A73DA6FB-BE09-44D8-939A-53432B6C4EFF}" type="datetimeFigureOut">
               <a:rPr lang="en-US" smtClean="0"/>
-              <a:t>3/27/2023</a:t>
+              <a:t>4/1/2023</a:t>
             </a:fld>
             <a:endParaRPr lang="en-US"/>
           </a:p>
@@ -1399,7 +1404,7 @@
           <a:p>
             <a:fld id="{A73DA6FB-BE09-44D8-939A-53432B6C4EFF}" type="datetimeFigureOut">
               <a:rPr lang="en-US" smtClean="0"/>
-              <a:t>3/27/2023</a:t>
+              <a:t>4/1/2023</a:t>
             </a:fld>
             <a:endParaRPr lang="en-US"/>
           </a:p>
@@ -1811,7 +1816,7 @@
           <a:p>
             <a:fld id="{A73DA6FB-BE09-44D8-939A-53432B6C4EFF}" type="datetimeFigureOut">
               <a:rPr lang="en-US" smtClean="0"/>
-              <a:t>3/27/2023</a:t>
+              <a:t>4/1/2023</a:t>
             </a:fld>
             <a:endParaRPr lang="en-US"/>
           </a:p>
@@ -1952,7 +1957,7 @@
           <a:p>
             <a:fld id="{A73DA6FB-BE09-44D8-939A-53432B6C4EFF}" type="datetimeFigureOut">
               <a:rPr lang="en-US" smtClean="0"/>
-              <a:t>3/27/2023</a:t>
+              <a:t>4/1/2023</a:t>
             </a:fld>
             <a:endParaRPr lang="en-US"/>
           </a:p>
@@ -2065,7 +2070,7 @@
           <a:p>
             <a:fld id="{A73DA6FB-BE09-44D8-939A-53432B6C4EFF}" type="datetimeFigureOut">
               <a:rPr lang="en-US" smtClean="0"/>
-              <a:t>3/27/2023</a:t>
+              <a:t>4/1/2023</a:t>
             </a:fld>
             <a:endParaRPr lang="en-US"/>
           </a:p>
@@ -2376,7 +2381,7 @@
           <a:p>
             <a:fld id="{A73DA6FB-BE09-44D8-939A-53432B6C4EFF}" type="datetimeFigureOut">
               <a:rPr lang="en-US" smtClean="0"/>
-              <a:t>3/27/2023</a:t>
+              <a:t>4/1/2023</a:t>
             </a:fld>
             <a:endParaRPr lang="en-US"/>
           </a:p>
@@ -2664,7 +2669,7 @@
           <a:p>
             <a:fld id="{A73DA6FB-BE09-44D8-939A-53432B6C4EFF}" type="datetimeFigureOut">
               <a:rPr lang="en-US" smtClean="0"/>
-              <a:t>3/27/2023</a:t>
+              <a:t>4/1/2023</a:t>
             </a:fld>
             <a:endParaRPr lang="en-US"/>
           </a:p>
@@ -2905,7 +2910,7 @@
           <a:p>
             <a:fld id="{A73DA6FB-BE09-44D8-939A-53432B6C4EFF}" type="datetimeFigureOut">
               <a:rPr lang="en-US" smtClean="0"/>
-              <a:t>3/27/2023</a:t>
+              <a:t>4/1/2023</a:t>
             </a:fld>
             <a:endParaRPr lang="en-US"/>
           </a:p>
@@ -3604,38 +3609,6 @@
           </a:p>
         </p:txBody>
       </p:sp>
-      <p:sp>
-        <p:nvSpPr>
-          <p:cNvPr id="7" name="Title 6">
-            <a:extLst>
-              <a:ext uri="{FF2B5EF4-FFF2-40B4-BE49-F238E27FC236}">
-                <a16:creationId xmlns:a16="http://schemas.microsoft.com/office/drawing/2014/main" id="{24AF8E09-9739-33B0-6F3D-ADAB2CDAB387}"/>
-              </a:ext>
-            </a:extLst>
-          </p:cNvPr>
-          <p:cNvSpPr>
-            <a:spLocks noGrp="1"/>
-          </p:cNvSpPr>
-          <p:nvPr>
-            <p:ph type="title"/>
-          </p:nvPr>
-        </p:nvSpPr>
-        <p:spPr>
-          <a:xfrm>
-            <a:off x="589560" y="856180"/>
-            <a:ext cx="4560584" cy="1128068"/>
-          </a:xfrm>
-        </p:spPr>
-        <p:txBody>
-          <a:bodyPr vert="horz" lIns="91440" tIns="45720" rIns="91440" bIns="45720" rtlCol="0" anchor="ctr">
-            <a:normAutofit/>
-          </a:bodyPr>
-          <a:lstStyle/>
-          <a:p>
-            <a:endParaRPr lang="en-US" sz="4000"/>
-          </a:p>
-        </p:txBody>
-      </p:sp>
       <p:grpSp>
         <p:nvGrpSpPr>
           <p:cNvPr id="1035" name="Group 1034">
@@ -4051,8 +4024,8 @@
         </p:blipFill>
         <p:spPr bwMode="auto">
           <a:xfrm>
-            <a:off x="5977788" y="799352"/>
-            <a:ext cx="5425410" cy="5259296"/>
+            <a:off x="5977788" y="2090568"/>
+            <a:ext cx="5425410" cy="3968079"/>
           </a:xfrm>
           <a:prstGeom prst="rect">
             <a:avLst/>
@@ -4069,6 +4042,42 @@
           </a:extLst>
         </p:spPr>
       </p:pic>
+      <p:sp>
+        <p:nvSpPr>
+          <p:cNvPr id="7" name="Title 6">
+            <a:extLst>
+              <a:ext uri="{FF2B5EF4-FFF2-40B4-BE49-F238E27FC236}">
+                <a16:creationId xmlns:a16="http://schemas.microsoft.com/office/drawing/2014/main" id="{24AF8E09-9739-33B0-6F3D-ADAB2CDAB387}"/>
+              </a:ext>
+            </a:extLst>
+          </p:cNvPr>
+          <p:cNvSpPr>
+            <a:spLocks noGrp="1"/>
+          </p:cNvSpPr>
+          <p:nvPr>
+            <p:ph type="title"/>
+          </p:nvPr>
+        </p:nvSpPr>
+        <p:spPr>
+          <a:xfrm>
+            <a:off x="472378" y="751866"/>
+            <a:ext cx="5111993" cy="1201902"/>
+          </a:xfrm>
+        </p:spPr>
+        <p:txBody>
+          <a:bodyPr vert="horz" lIns="91440" tIns="45720" rIns="91440" bIns="45720" rtlCol="0" anchor="ctr">
+            <a:normAutofit/>
+          </a:bodyPr>
+          <a:lstStyle/>
+          <a:p>
+            <a:pPr algn="ctr"/>
+            <a:r>
+              <a:rPr lang="en-US" sz="4000" dirty="0"/>
+              <a:t>Stock Market Analysis isn’t easy!</a:t>
+            </a:r>
+          </a:p>
+        </p:txBody>
+      </p:sp>
     </p:spTree>
     <p:extLst>
       <p:ext uri="{BB962C8B-B14F-4D97-AF65-F5344CB8AC3E}">
